--- a/egstoredownload.pptx
+++ b/egstoredownload.pptx
@@ -259,7 +259,7 @@
           <a:p>
             <a:fld id="{FE0266DF-A30D-49B9-923B-8B694B63D8CD}" type="datetimeFigureOut">
               <a:rPr lang="zh-CN" altLang="en-US" smtClean="0"/>
-              <a:t>2022/2/19</a:t>
+              <a:t>2022/2/27</a:t>
             </a:fld>
             <a:endParaRPr lang="zh-CN" altLang="en-US"/>
           </a:p>
@@ -457,7 +457,7 @@
           <a:p>
             <a:fld id="{FE0266DF-A30D-49B9-923B-8B694B63D8CD}" type="datetimeFigureOut">
               <a:rPr lang="zh-CN" altLang="en-US" smtClean="0"/>
-              <a:t>2022/2/19</a:t>
+              <a:t>2022/2/27</a:t>
             </a:fld>
             <a:endParaRPr lang="zh-CN" altLang="en-US"/>
           </a:p>
@@ -665,7 +665,7 @@
           <a:p>
             <a:fld id="{FE0266DF-A30D-49B9-923B-8B694B63D8CD}" type="datetimeFigureOut">
               <a:rPr lang="zh-CN" altLang="en-US" smtClean="0"/>
-              <a:t>2022/2/19</a:t>
+              <a:t>2022/2/27</a:t>
             </a:fld>
             <a:endParaRPr lang="zh-CN" altLang="en-US"/>
           </a:p>
@@ -863,7 +863,7 @@
           <a:p>
             <a:fld id="{FE0266DF-A30D-49B9-923B-8B694B63D8CD}" type="datetimeFigureOut">
               <a:rPr lang="zh-CN" altLang="en-US" smtClean="0"/>
-              <a:t>2022/2/19</a:t>
+              <a:t>2022/2/27</a:t>
             </a:fld>
             <a:endParaRPr lang="zh-CN" altLang="en-US"/>
           </a:p>
@@ -1138,7 +1138,7 @@
           <a:p>
             <a:fld id="{FE0266DF-A30D-49B9-923B-8B694B63D8CD}" type="datetimeFigureOut">
               <a:rPr lang="zh-CN" altLang="en-US" smtClean="0"/>
-              <a:t>2022/2/19</a:t>
+              <a:t>2022/2/27</a:t>
             </a:fld>
             <a:endParaRPr lang="zh-CN" altLang="en-US"/>
           </a:p>
@@ -1403,7 +1403,7 @@
           <a:p>
             <a:fld id="{FE0266DF-A30D-49B9-923B-8B694B63D8CD}" type="datetimeFigureOut">
               <a:rPr lang="zh-CN" altLang="en-US" smtClean="0"/>
-              <a:t>2022/2/19</a:t>
+              <a:t>2022/2/27</a:t>
             </a:fld>
             <a:endParaRPr lang="zh-CN" altLang="en-US"/>
           </a:p>
@@ -1815,7 +1815,7 @@
           <a:p>
             <a:fld id="{FE0266DF-A30D-49B9-923B-8B694B63D8CD}" type="datetimeFigureOut">
               <a:rPr lang="zh-CN" altLang="en-US" smtClean="0"/>
-              <a:t>2022/2/19</a:t>
+              <a:t>2022/2/27</a:t>
             </a:fld>
             <a:endParaRPr lang="zh-CN" altLang="en-US"/>
           </a:p>
@@ -1956,7 +1956,7 @@
           <a:p>
             <a:fld id="{FE0266DF-A30D-49B9-923B-8B694B63D8CD}" type="datetimeFigureOut">
               <a:rPr lang="zh-CN" altLang="en-US" smtClean="0"/>
-              <a:t>2022/2/19</a:t>
+              <a:t>2022/2/27</a:t>
             </a:fld>
             <a:endParaRPr lang="zh-CN" altLang="en-US"/>
           </a:p>
@@ -2069,7 +2069,7 @@
           <a:p>
             <a:fld id="{FE0266DF-A30D-49B9-923B-8B694B63D8CD}" type="datetimeFigureOut">
               <a:rPr lang="zh-CN" altLang="en-US" smtClean="0"/>
-              <a:t>2022/2/19</a:t>
+              <a:t>2022/2/27</a:t>
             </a:fld>
             <a:endParaRPr lang="zh-CN" altLang="en-US"/>
           </a:p>
@@ -2380,7 +2380,7 @@
           <a:p>
             <a:fld id="{FE0266DF-A30D-49B9-923B-8B694B63D8CD}" type="datetimeFigureOut">
               <a:rPr lang="zh-CN" altLang="en-US" smtClean="0"/>
-              <a:t>2022/2/19</a:t>
+              <a:t>2022/2/27</a:t>
             </a:fld>
             <a:endParaRPr lang="zh-CN" altLang="en-US"/>
           </a:p>
@@ -2668,7 +2668,7 @@
           <a:p>
             <a:fld id="{FE0266DF-A30D-49B9-923B-8B694B63D8CD}" type="datetimeFigureOut">
               <a:rPr lang="zh-CN" altLang="en-US" smtClean="0"/>
-              <a:t>2022/2/19</a:t>
+              <a:t>2022/2/27</a:t>
             </a:fld>
             <a:endParaRPr lang="zh-CN" altLang="en-US"/>
           </a:p>
@@ -2909,7 +2909,7 @@
           <a:p>
             <a:fld id="{FE0266DF-A30D-49B9-923B-8B694B63D8CD}" type="datetimeFigureOut">
               <a:rPr lang="zh-CN" altLang="en-US" smtClean="0"/>
-              <a:t>2022/2/19</a:t>
+              <a:t>2022/2/27</a:t>
             </a:fld>
             <a:endParaRPr lang="zh-CN" altLang="en-US"/>
           </a:p>
@@ -3340,7 +3340,7 @@
         </p:nvSpPr>
         <p:spPr>
           <a:xfrm>
-            <a:off x="1216152" y="759711"/>
+            <a:off x="4107180" y="759711"/>
             <a:ext cx="3977640" cy="523220"/>
           </a:xfrm>
           <a:prstGeom prst="rect">
@@ -3354,6 +3354,7 @@
           </a:bodyPr>
           <a:lstStyle/>
           <a:p>
+            <a:pPr algn="ctr"/>
             <a:r>
               <a:rPr lang="en-US" altLang="zh-CN" sz="2800" b="1" dirty="0">
                 <a:latin typeface="微软雅黑" panose="020B0503020204020204" pitchFamily="34" charset="-122"/>
@@ -3362,63 +3363,6 @@
               <a:t>EG STORE</a:t>
             </a:r>
             <a:endParaRPr lang="zh-CN" altLang="en-US" sz="2800" b="1" dirty="0">
-              <a:latin typeface="微软雅黑" panose="020B0503020204020204" pitchFamily="34" charset="-122"/>
-              <a:ea typeface="微软雅黑" panose="020B0503020204020204" pitchFamily="34" charset="-122"/>
-            </a:endParaRPr>
-          </a:p>
-        </p:txBody>
-      </p:sp>
-      <p:sp>
-        <p:nvSpPr>
-          <p:cNvPr id="5" name="矩形 4">
-            <a:extLst>
-              <a:ext uri="{FF2B5EF4-FFF2-40B4-BE49-F238E27FC236}">
-                <a16:creationId xmlns:a16="http://schemas.microsoft.com/office/drawing/2014/main" id="{517A0883-6252-4C83-A296-575434C76FA9}"/>
-              </a:ext>
-            </a:extLst>
-          </p:cNvPr>
-          <p:cNvSpPr/>
-          <p:nvPr/>
-        </p:nvSpPr>
-        <p:spPr>
-          <a:xfrm>
-            <a:off x="0" y="0"/>
-            <a:ext cx="539496" cy="6858000"/>
-          </a:xfrm>
-          <a:prstGeom prst="rect">
-            <a:avLst/>
-          </a:prstGeom>
-          <a:solidFill>
-            <a:schemeClr val="bg1">
-              <a:lumMod val="95000"/>
-            </a:schemeClr>
-          </a:solidFill>
-          <a:ln>
-            <a:noFill/>
-          </a:ln>
-        </p:spPr>
-        <p:style>
-          <a:lnRef idx="2">
-            <a:schemeClr val="accent1">
-              <a:shade val="50000"/>
-            </a:schemeClr>
-          </a:lnRef>
-          <a:fillRef idx="1">
-            <a:schemeClr val="accent1"/>
-          </a:fillRef>
-          <a:effectRef idx="0">
-            <a:schemeClr val="accent1"/>
-          </a:effectRef>
-          <a:fontRef idx="minor">
-            <a:schemeClr val="lt1"/>
-          </a:fontRef>
-        </p:style>
-        <p:txBody>
-          <a:bodyPr rtlCol="0" anchor="ctr"/>
-          <a:lstStyle/>
-          <a:p>
-            <a:pPr algn="ctr"/>
-            <a:endParaRPr lang="zh-CN" altLang="en-US">
               <a:latin typeface="微软雅黑" panose="020B0503020204020204" pitchFamily="34" charset="-122"/>
               <a:ea typeface="微软雅黑" panose="020B0503020204020204" pitchFamily="34" charset="-122"/>
             </a:endParaRPr>
